--- a/docker/imagenes/imagenes.pptx
+++ b/docker/imagenes/imagenes.pptx
@@ -9,6 +9,7 @@
     <p:sldId id="257" r:id="rId3"/>
     <p:sldId id="258" r:id="rId4"/>
     <p:sldId id="259" r:id="rId5"/>
+    <p:sldId id="260" r:id="rId6"/>
   </p:sldIdLst>
   <p:sldSz cx="12192000" cy="6858000"/>
   <p:notesSz cx="6858000" cy="9144000"/>
@@ -3426,550 +3427,794 @@
           <a:chExt cx="0" cy="0"/>
         </a:xfrm>
       </p:grpSpPr>
-      <p:sp>
-        <p:nvSpPr>
-          <p:cNvPr id="2" name="Rectángulo 1">
-            <a:extLst>
-              <a:ext uri="{FF2B5EF4-FFF2-40B4-BE49-F238E27FC236}">
-                <a16:creationId xmlns:a16="http://schemas.microsoft.com/office/drawing/2014/main" id="{9F5BF413-4B76-034C-8E3C-C1AF9AB44B30}"/>
-              </a:ext>
-            </a:extLst>
-          </p:cNvPr>
-          <p:cNvSpPr/>
+      <p:grpSp>
+        <p:nvGrpSpPr>
+          <p:cNvPr id="16" name="Grupo 15">
+            <a:extLst>
+              <a:ext uri="{FF2B5EF4-FFF2-40B4-BE49-F238E27FC236}">
+                <a16:creationId xmlns:a16="http://schemas.microsoft.com/office/drawing/2014/main" id="{B2487709-31D0-014C-B769-ABCC0B85BAEC}"/>
+              </a:ext>
+            </a:extLst>
+          </p:cNvPr>
+          <p:cNvGrpSpPr/>
           <p:nvPr/>
-        </p:nvSpPr>
-        <p:spPr>
-          <a:xfrm>
-            <a:off x="2857500" y="4357688"/>
-            <a:ext cx="5829301" cy="957262"/>
-          </a:xfrm>
-          <a:prstGeom prst="rect">
-            <a:avLst/>
-          </a:prstGeom>
-        </p:spPr>
-        <p:style>
-          <a:lnRef idx="2">
-            <a:schemeClr val="accent1">
-              <a:shade val="50000"/>
-            </a:schemeClr>
-          </a:lnRef>
-          <a:fillRef idx="1">
-            <a:schemeClr val="accent1"/>
-          </a:fillRef>
-          <a:effectRef idx="0">
-            <a:schemeClr val="accent1"/>
-          </a:effectRef>
-          <a:fontRef idx="minor">
-            <a:schemeClr val="lt1"/>
-          </a:fontRef>
-        </p:style>
-        <p:txBody>
-          <a:bodyPr rtlCol="0" anchor="ctr"/>
-          <a:lstStyle/>
-          <a:p>
-            <a:pPr algn="ctr"/>
-            <a:r>
-              <a:rPr lang="es-MX" sz="2800" dirty="0"/>
-              <a:t>Docker daemon</a:t>
-            </a:r>
-          </a:p>
-        </p:txBody>
-      </p:sp>
-      <p:sp>
-        <p:nvSpPr>
-          <p:cNvPr id="3" name="Rectángulo 2">
-            <a:extLst>
-              <a:ext uri="{FF2B5EF4-FFF2-40B4-BE49-F238E27FC236}">
-                <a16:creationId xmlns:a16="http://schemas.microsoft.com/office/drawing/2014/main" id="{187344CB-D130-0141-BE10-C54B1B5F65CF}"/>
-              </a:ext>
-            </a:extLst>
-          </p:cNvPr>
-          <p:cNvSpPr/>
-          <p:nvPr/>
-        </p:nvSpPr>
-        <p:spPr>
-          <a:xfrm>
-            <a:off x="2857501" y="3400426"/>
-            <a:ext cx="1943100" cy="957262"/>
-          </a:xfrm>
-          <a:prstGeom prst="rect">
-            <a:avLst/>
-          </a:prstGeom>
-          <a:solidFill>
-            <a:schemeClr val="accent6">
-              <a:lumMod val="75000"/>
-            </a:schemeClr>
-          </a:solidFill>
-        </p:spPr>
-        <p:style>
-          <a:lnRef idx="2">
-            <a:schemeClr val="accent1">
-              <a:shade val="50000"/>
-            </a:schemeClr>
-          </a:lnRef>
-          <a:fillRef idx="1">
-            <a:schemeClr val="accent1"/>
-          </a:fillRef>
-          <a:effectRef idx="0">
-            <a:schemeClr val="accent1"/>
-          </a:effectRef>
-          <a:fontRef idx="minor">
-            <a:schemeClr val="lt1"/>
-          </a:fontRef>
-        </p:style>
-        <p:txBody>
-          <a:bodyPr rtlCol="0" anchor="ctr"/>
-          <a:lstStyle/>
-          <a:p>
-            <a:pPr algn="ctr"/>
-            <a:r>
-              <a:rPr lang="es-MX" dirty="0"/>
-              <a:t>Image</a:t>
-            </a:r>
-          </a:p>
-          <a:p>
-            <a:pPr algn="ctr"/>
-            <a:r>
-              <a:rPr lang="es-MX" dirty="0"/>
-              <a:t>(i.e. Spark)</a:t>
-            </a:r>
-          </a:p>
-        </p:txBody>
-      </p:sp>
-      <p:sp>
-        <p:nvSpPr>
-          <p:cNvPr id="4" name="Rectángulo 3">
-            <a:extLst>
-              <a:ext uri="{FF2B5EF4-FFF2-40B4-BE49-F238E27FC236}">
-                <a16:creationId xmlns:a16="http://schemas.microsoft.com/office/drawing/2014/main" id="{974D7FA7-2732-0248-BBE8-8CBACEA167E1}"/>
-              </a:ext>
-            </a:extLst>
-          </p:cNvPr>
-          <p:cNvSpPr/>
-          <p:nvPr/>
-        </p:nvSpPr>
-        <p:spPr>
-          <a:xfrm>
-            <a:off x="4800601" y="3400426"/>
-            <a:ext cx="1943100" cy="957262"/>
-          </a:xfrm>
-          <a:prstGeom prst="rect">
-            <a:avLst/>
-          </a:prstGeom>
-          <a:solidFill>
-            <a:srgbClr val="277432"/>
-          </a:solidFill>
-        </p:spPr>
-        <p:style>
-          <a:lnRef idx="2">
-            <a:schemeClr val="accent1">
-              <a:shade val="50000"/>
-            </a:schemeClr>
-          </a:lnRef>
-          <a:fillRef idx="1">
-            <a:schemeClr val="accent1"/>
-          </a:fillRef>
-          <a:effectRef idx="0">
-            <a:schemeClr val="accent1"/>
-          </a:effectRef>
-          <a:fontRef idx="minor">
-            <a:schemeClr val="lt1"/>
-          </a:fontRef>
-        </p:style>
-        <p:txBody>
-          <a:bodyPr rtlCol="0" anchor="ctr"/>
-          <a:lstStyle/>
-          <a:p>
-            <a:pPr algn="ctr"/>
-            <a:r>
-              <a:rPr lang="es-MX" dirty="0"/>
-              <a:t>Image</a:t>
-            </a:r>
-          </a:p>
-          <a:p>
-            <a:pPr algn="ctr"/>
-            <a:r>
-              <a:rPr lang="es-MX" dirty="0"/>
-              <a:t>(i.e. SQL+pHp)</a:t>
-            </a:r>
-          </a:p>
-        </p:txBody>
-      </p:sp>
-      <p:sp>
-        <p:nvSpPr>
-          <p:cNvPr id="5" name="Rectángulo 4">
-            <a:extLst>
-              <a:ext uri="{FF2B5EF4-FFF2-40B4-BE49-F238E27FC236}">
-                <a16:creationId xmlns:a16="http://schemas.microsoft.com/office/drawing/2014/main" id="{859918C0-EA2C-9449-BB39-B97586733877}"/>
-              </a:ext>
-            </a:extLst>
-          </p:cNvPr>
-          <p:cNvSpPr/>
-          <p:nvPr/>
-        </p:nvSpPr>
-        <p:spPr>
-          <a:xfrm>
-            <a:off x="6743701" y="3400426"/>
-            <a:ext cx="1943100" cy="957262"/>
-          </a:xfrm>
-          <a:prstGeom prst="rect">
-            <a:avLst/>
-          </a:prstGeom>
-          <a:solidFill>
-            <a:srgbClr val="083B31"/>
-          </a:solidFill>
-        </p:spPr>
-        <p:style>
-          <a:lnRef idx="2">
-            <a:schemeClr val="accent1">
-              <a:shade val="50000"/>
-            </a:schemeClr>
-          </a:lnRef>
-          <a:fillRef idx="1">
-            <a:schemeClr val="accent1"/>
-          </a:fillRef>
-          <a:effectRef idx="0">
-            <a:schemeClr val="accent1"/>
-          </a:effectRef>
-          <a:fontRef idx="minor">
-            <a:schemeClr val="lt1"/>
-          </a:fontRef>
-        </p:style>
-        <p:txBody>
-          <a:bodyPr rtlCol="0" anchor="ctr"/>
-          <a:lstStyle/>
-          <a:p>
-            <a:pPr algn="ctr"/>
-            <a:r>
-              <a:rPr lang="es-MX" dirty="0"/>
-              <a:t>Image</a:t>
-            </a:r>
-          </a:p>
-          <a:p>
-            <a:pPr algn="ctr"/>
-            <a:r>
-              <a:rPr lang="es-MX" dirty="0"/>
-              <a:t>(i.e. Tensorflow)</a:t>
-            </a:r>
-          </a:p>
-        </p:txBody>
-      </p:sp>
-      <p:sp>
-        <p:nvSpPr>
-          <p:cNvPr id="8" name="Rectángulo 7">
-            <a:extLst>
-              <a:ext uri="{FF2B5EF4-FFF2-40B4-BE49-F238E27FC236}">
-                <a16:creationId xmlns:a16="http://schemas.microsoft.com/office/drawing/2014/main" id="{8555E425-2198-0249-A71E-7EA1A4CB11E8}"/>
-              </a:ext>
-            </a:extLst>
-          </p:cNvPr>
-          <p:cNvSpPr/>
-          <p:nvPr/>
-        </p:nvSpPr>
-        <p:spPr>
-          <a:xfrm>
-            <a:off x="4186238" y="1543050"/>
-            <a:ext cx="614363" cy="1857376"/>
-          </a:xfrm>
-          <a:prstGeom prst="rect">
-            <a:avLst/>
-          </a:prstGeom>
-          <a:solidFill>
-            <a:srgbClr val="C00000"/>
-          </a:solidFill>
-        </p:spPr>
-        <p:style>
-          <a:lnRef idx="2">
-            <a:schemeClr val="accent1">
-              <a:shade val="50000"/>
-            </a:schemeClr>
-          </a:lnRef>
-          <a:fillRef idx="1">
-            <a:schemeClr val="accent1"/>
-          </a:fillRef>
-          <a:effectRef idx="0">
-            <a:schemeClr val="accent1"/>
-          </a:effectRef>
-          <a:fontRef idx="minor">
-            <a:schemeClr val="lt1"/>
-          </a:fontRef>
-        </p:style>
-        <p:txBody>
-          <a:bodyPr vert="vert270" rtlCol="0" anchor="ctr"/>
-          <a:lstStyle/>
-          <a:p>
-            <a:pPr algn="ctr"/>
-            <a:r>
-              <a:rPr lang="es-MX" dirty="0"/>
-              <a:t>Container</a:t>
-            </a:r>
-          </a:p>
-        </p:txBody>
-      </p:sp>
-      <p:sp>
-        <p:nvSpPr>
-          <p:cNvPr id="11" name="Rectángulo 10">
-            <a:extLst>
-              <a:ext uri="{FF2B5EF4-FFF2-40B4-BE49-F238E27FC236}">
-                <a16:creationId xmlns:a16="http://schemas.microsoft.com/office/drawing/2014/main" id="{CAD736C8-326C-4E46-B98E-7B17AC52B935}"/>
-              </a:ext>
-            </a:extLst>
-          </p:cNvPr>
-          <p:cNvSpPr/>
-          <p:nvPr/>
-        </p:nvSpPr>
-        <p:spPr>
-          <a:xfrm>
-            <a:off x="3521869" y="1543050"/>
-            <a:ext cx="614363" cy="1857376"/>
-          </a:xfrm>
-          <a:prstGeom prst="rect">
-            <a:avLst/>
-          </a:prstGeom>
-          <a:solidFill>
-            <a:srgbClr val="C00000"/>
-          </a:solidFill>
-        </p:spPr>
-        <p:style>
-          <a:lnRef idx="2">
-            <a:schemeClr val="accent1">
-              <a:shade val="50000"/>
-            </a:schemeClr>
-          </a:lnRef>
-          <a:fillRef idx="1">
-            <a:schemeClr val="accent1"/>
-          </a:fillRef>
-          <a:effectRef idx="0">
-            <a:schemeClr val="accent1"/>
-          </a:effectRef>
-          <a:fontRef idx="minor">
-            <a:schemeClr val="lt1"/>
-          </a:fontRef>
-        </p:style>
-        <p:txBody>
-          <a:bodyPr vert="vert270" rtlCol="0" anchor="ctr"/>
-          <a:lstStyle/>
-          <a:p>
-            <a:pPr algn="ctr"/>
-            <a:r>
-              <a:rPr lang="es-MX" dirty="0"/>
-              <a:t>Container</a:t>
-            </a:r>
-          </a:p>
-        </p:txBody>
-      </p:sp>
-      <p:sp>
-        <p:nvSpPr>
-          <p:cNvPr id="12" name="Rectángulo 11">
-            <a:extLst>
-              <a:ext uri="{FF2B5EF4-FFF2-40B4-BE49-F238E27FC236}">
-                <a16:creationId xmlns:a16="http://schemas.microsoft.com/office/drawing/2014/main" id="{B5D8EF99-7E4E-2146-9E94-629EDDB53B2F}"/>
-              </a:ext>
-            </a:extLst>
-          </p:cNvPr>
-          <p:cNvSpPr/>
-          <p:nvPr/>
-        </p:nvSpPr>
-        <p:spPr>
+        </p:nvGrpSpPr>
+        <p:grpSpPr>
           <a:xfrm>
             <a:off x="2857500" y="1543050"/>
-            <a:ext cx="614363" cy="1857376"/>
+            <a:ext cx="5829301" cy="3771900"/>
+            <a:chOff x="2857500" y="1543050"/>
+            <a:chExt cx="5829301" cy="3771900"/>
           </a:xfrm>
-          <a:prstGeom prst="rect">
-            <a:avLst/>
-          </a:prstGeom>
-          <a:solidFill>
-            <a:srgbClr val="C00000"/>
-          </a:solidFill>
-        </p:spPr>
-        <p:style>
-          <a:lnRef idx="2">
-            <a:schemeClr val="accent1">
-              <a:shade val="50000"/>
-            </a:schemeClr>
-          </a:lnRef>
-          <a:fillRef idx="1">
-            <a:schemeClr val="accent1"/>
-          </a:fillRef>
-          <a:effectRef idx="0">
-            <a:schemeClr val="accent1"/>
-          </a:effectRef>
-          <a:fontRef idx="minor">
-            <a:schemeClr val="lt1"/>
-          </a:fontRef>
-        </p:style>
-        <p:txBody>
-          <a:bodyPr vert="vert270" rtlCol="0" anchor="ctr"/>
-          <a:lstStyle/>
-          <a:p>
-            <a:pPr algn="ctr"/>
-            <a:r>
-              <a:rPr lang="es-MX" dirty="0"/>
-              <a:t>Container</a:t>
-            </a:r>
-          </a:p>
-        </p:txBody>
-      </p:sp>
-      <p:sp>
-        <p:nvSpPr>
-          <p:cNvPr id="13" name="Rectángulo 12">
-            <a:extLst>
-              <a:ext uri="{FF2B5EF4-FFF2-40B4-BE49-F238E27FC236}">
-                <a16:creationId xmlns:a16="http://schemas.microsoft.com/office/drawing/2014/main" id="{8B22FB76-98C1-BE4A-BEA8-4F14E7D8595A}"/>
-              </a:ext>
-            </a:extLst>
-          </p:cNvPr>
-          <p:cNvSpPr/>
-          <p:nvPr/>
-        </p:nvSpPr>
-        <p:spPr>
-          <a:xfrm>
-            <a:off x="5464968" y="1543050"/>
-            <a:ext cx="614363" cy="1857376"/>
-          </a:xfrm>
-          <a:prstGeom prst="rect">
-            <a:avLst/>
-          </a:prstGeom>
-          <a:solidFill>
-            <a:srgbClr val="C00000"/>
-          </a:solidFill>
-        </p:spPr>
-        <p:style>
-          <a:lnRef idx="2">
-            <a:schemeClr val="accent1">
-              <a:shade val="50000"/>
-            </a:schemeClr>
-          </a:lnRef>
-          <a:fillRef idx="1">
-            <a:schemeClr val="accent1"/>
-          </a:fillRef>
-          <a:effectRef idx="0">
-            <a:schemeClr val="accent1"/>
-          </a:effectRef>
-          <a:fontRef idx="minor">
-            <a:schemeClr val="lt1"/>
-          </a:fontRef>
-        </p:style>
-        <p:txBody>
-          <a:bodyPr vert="vert270" rtlCol="0" anchor="ctr"/>
-          <a:lstStyle/>
-          <a:p>
-            <a:pPr algn="ctr"/>
-            <a:r>
-              <a:rPr lang="es-MX" dirty="0"/>
-              <a:t>Container</a:t>
-            </a:r>
-          </a:p>
-        </p:txBody>
-      </p:sp>
-      <p:sp>
-        <p:nvSpPr>
-          <p:cNvPr id="14" name="Rectángulo 13">
-            <a:extLst>
-              <a:ext uri="{FF2B5EF4-FFF2-40B4-BE49-F238E27FC236}">
-                <a16:creationId xmlns:a16="http://schemas.microsoft.com/office/drawing/2014/main" id="{4B30816A-5F69-854D-9909-C2BB5FF0F13A}"/>
-              </a:ext>
-            </a:extLst>
-          </p:cNvPr>
-          <p:cNvSpPr/>
-          <p:nvPr/>
-        </p:nvSpPr>
-        <p:spPr>
-          <a:xfrm>
-            <a:off x="6943728" y="1543050"/>
-            <a:ext cx="614363" cy="1857376"/>
-          </a:xfrm>
-          <a:prstGeom prst="rect">
-            <a:avLst/>
-          </a:prstGeom>
-          <a:solidFill>
-            <a:srgbClr val="C00000"/>
-          </a:solidFill>
-        </p:spPr>
-        <p:style>
-          <a:lnRef idx="2">
-            <a:schemeClr val="accent1">
-              <a:shade val="50000"/>
-            </a:schemeClr>
-          </a:lnRef>
-          <a:fillRef idx="1">
-            <a:schemeClr val="accent1"/>
-          </a:fillRef>
-          <a:effectRef idx="0">
-            <a:schemeClr val="accent1"/>
-          </a:effectRef>
-          <a:fontRef idx="minor">
-            <a:schemeClr val="lt1"/>
-          </a:fontRef>
-        </p:style>
-        <p:txBody>
-          <a:bodyPr vert="vert270" rtlCol="0" anchor="ctr"/>
-          <a:lstStyle/>
-          <a:p>
-            <a:pPr algn="ctr"/>
-            <a:r>
-              <a:rPr lang="es-MX" dirty="0"/>
-              <a:t>Container</a:t>
-            </a:r>
-          </a:p>
-        </p:txBody>
-      </p:sp>
-      <p:sp>
-        <p:nvSpPr>
-          <p:cNvPr id="15" name="Rectángulo 14">
-            <a:extLst>
-              <a:ext uri="{FF2B5EF4-FFF2-40B4-BE49-F238E27FC236}">
-                <a16:creationId xmlns:a16="http://schemas.microsoft.com/office/drawing/2014/main" id="{BC675D01-A9E6-3A4C-B0C9-58C6B8AA1806}"/>
-              </a:ext>
-            </a:extLst>
-          </p:cNvPr>
-          <p:cNvSpPr/>
-          <p:nvPr/>
-        </p:nvSpPr>
-        <p:spPr>
-          <a:xfrm>
-            <a:off x="7858125" y="1543050"/>
-            <a:ext cx="614363" cy="1857376"/>
-          </a:xfrm>
-          <a:prstGeom prst="rect">
-            <a:avLst/>
-          </a:prstGeom>
-          <a:solidFill>
-            <a:srgbClr val="C00000"/>
-          </a:solidFill>
-        </p:spPr>
-        <p:style>
-          <a:lnRef idx="2">
-            <a:schemeClr val="accent1">
-              <a:shade val="50000"/>
-            </a:schemeClr>
-          </a:lnRef>
-          <a:fillRef idx="1">
-            <a:schemeClr val="accent1"/>
-          </a:fillRef>
-          <a:effectRef idx="0">
-            <a:schemeClr val="accent1"/>
-          </a:effectRef>
-          <a:fontRef idx="minor">
-            <a:schemeClr val="lt1"/>
-          </a:fontRef>
-        </p:style>
-        <p:txBody>
-          <a:bodyPr vert="vert270" rtlCol="0" anchor="ctr"/>
-          <a:lstStyle/>
-          <a:p>
-            <a:pPr algn="ctr"/>
-            <a:r>
-              <a:rPr lang="es-MX" dirty="0"/>
-              <a:t>Container</a:t>
-            </a:r>
-          </a:p>
-        </p:txBody>
-      </p:sp>
+        </p:grpSpPr>
+        <p:sp>
+          <p:nvSpPr>
+            <p:cNvPr id="2" name="Rectángulo 1">
+              <a:extLst>
+                <a:ext uri="{FF2B5EF4-FFF2-40B4-BE49-F238E27FC236}">
+                  <a16:creationId xmlns:a16="http://schemas.microsoft.com/office/drawing/2014/main" id="{9F5BF413-4B76-034C-8E3C-C1AF9AB44B30}"/>
+                </a:ext>
+              </a:extLst>
+            </p:cNvPr>
+            <p:cNvSpPr/>
+            <p:nvPr/>
+          </p:nvSpPr>
+          <p:spPr>
+            <a:xfrm>
+              <a:off x="2857500" y="4357688"/>
+              <a:ext cx="5829301" cy="957262"/>
+            </a:xfrm>
+            <a:prstGeom prst="rect">
+              <a:avLst/>
+            </a:prstGeom>
+          </p:spPr>
+          <p:style>
+            <a:lnRef idx="2">
+              <a:schemeClr val="accent1">
+                <a:shade val="50000"/>
+              </a:schemeClr>
+            </a:lnRef>
+            <a:fillRef idx="1">
+              <a:schemeClr val="accent1"/>
+            </a:fillRef>
+            <a:effectRef idx="0">
+              <a:schemeClr val="accent1"/>
+            </a:effectRef>
+            <a:fontRef idx="minor">
+              <a:schemeClr val="lt1"/>
+            </a:fontRef>
+          </p:style>
+          <p:txBody>
+            <a:bodyPr rtlCol="0" anchor="ctr"/>
+            <a:lstStyle/>
+            <a:p>
+              <a:pPr algn="ctr"/>
+              <a:r>
+                <a:rPr lang="es-MX" sz="2800" dirty="0"/>
+                <a:t>Docker daemon</a:t>
+              </a:r>
+            </a:p>
+          </p:txBody>
+        </p:sp>
+        <p:sp>
+          <p:nvSpPr>
+            <p:cNvPr id="3" name="Rectángulo 2">
+              <a:extLst>
+                <a:ext uri="{FF2B5EF4-FFF2-40B4-BE49-F238E27FC236}">
+                  <a16:creationId xmlns:a16="http://schemas.microsoft.com/office/drawing/2014/main" id="{187344CB-D130-0141-BE10-C54B1B5F65CF}"/>
+                </a:ext>
+              </a:extLst>
+            </p:cNvPr>
+            <p:cNvSpPr/>
+            <p:nvPr/>
+          </p:nvSpPr>
+          <p:spPr>
+            <a:xfrm>
+              <a:off x="2857501" y="3400426"/>
+              <a:ext cx="1943100" cy="957262"/>
+            </a:xfrm>
+            <a:prstGeom prst="rect">
+              <a:avLst/>
+            </a:prstGeom>
+            <a:solidFill>
+              <a:schemeClr val="accent6">
+                <a:lumMod val="75000"/>
+              </a:schemeClr>
+            </a:solidFill>
+          </p:spPr>
+          <p:style>
+            <a:lnRef idx="2">
+              <a:schemeClr val="accent1">
+                <a:shade val="50000"/>
+              </a:schemeClr>
+            </a:lnRef>
+            <a:fillRef idx="1">
+              <a:schemeClr val="accent1"/>
+            </a:fillRef>
+            <a:effectRef idx="0">
+              <a:schemeClr val="accent1"/>
+            </a:effectRef>
+            <a:fontRef idx="minor">
+              <a:schemeClr val="lt1"/>
+            </a:fontRef>
+          </p:style>
+          <p:txBody>
+            <a:bodyPr rtlCol="0" anchor="ctr"/>
+            <a:lstStyle/>
+            <a:p>
+              <a:pPr algn="ctr"/>
+              <a:r>
+                <a:rPr lang="es-MX" dirty="0"/>
+                <a:t>Image</a:t>
+              </a:r>
+            </a:p>
+            <a:p>
+              <a:pPr algn="ctr"/>
+              <a:r>
+                <a:rPr lang="es-MX" dirty="0"/>
+                <a:t>(i.e. Spark)</a:t>
+              </a:r>
+            </a:p>
+          </p:txBody>
+        </p:sp>
+        <p:sp>
+          <p:nvSpPr>
+            <p:cNvPr id="4" name="Rectángulo 3">
+              <a:extLst>
+                <a:ext uri="{FF2B5EF4-FFF2-40B4-BE49-F238E27FC236}">
+                  <a16:creationId xmlns:a16="http://schemas.microsoft.com/office/drawing/2014/main" id="{974D7FA7-2732-0248-BBE8-8CBACEA167E1}"/>
+                </a:ext>
+              </a:extLst>
+            </p:cNvPr>
+            <p:cNvSpPr/>
+            <p:nvPr/>
+          </p:nvSpPr>
+          <p:spPr>
+            <a:xfrm>
+              <a:off x="4800601" y="3400426"/>
+              <a:ext cx="1943100" cy="957262"/>
+            </a:xfrm>
+            <a:prstGeom prst="rect">
+              <a:avLst/>
+            </a:prstGeom>
+            <a:solidFill>
+              <a:srgbClr val="277432"/>
+            </a:solidFill>
+          </p:spPr>
+          <p:style>
+            <a:lnRef idx="2">
+              <a:schemeClr val="accent1">
+                <a:shade val="50000"/>
+              </a:schemeClr>
+            </a:lnRef>
+            <a:fillRef idx="1">
+              <a:schemeClr val="accent1"/>
+            </a:fillRef>
+            <a:effectRef idx="0">
+              <a:schemeClr val="accent1"/>
+            </a:effectRef>
+            <a:fontRef idx="minor">
+              <a:schemeClr val="lt1"/>
+            </a:fontRef>
+          </p:style>
+          <p:txBody>
+            <a:bodyPr rtlCol="0" anchor="ctr"/>
+            <a:lstStyle/>
+            <a:p>
+              <a:pPr algn="ctr"/>
+              <a:r>
+                <a:rPr lang="es-MX" dirty="0"/>
+                <a:t>Image</a:t>
+              </a:r>
+            </a:p>
+            <a:p>
+              <a:pPr algn="ctr"/>
+              <a:r>
+                <a:rPr lang="es-MX" dirty="0"/>
+                <a:t>(i.e. SQL+pHp)</a:t>
+              </a:r>
+            </a:p>
+          </p:txBody>
+        </p:sp>
+        <p:sp>
+          <p:nvSpPr>
+            <p:cNvPr id="5" name="Rectángulo 4">
+              <a:extLst>
+                <a:ext uri="{FF2B5EF4-FFF2-40B4-BE49-F238E27FC236}">
+                  <a16:creationId xmlns:a16="http://schemas.microsoft.com/office/drawing/2014/main" id="{859918C0-EA2C-9449-BB39-B97586733877}"/>
+                </a:ext>
+              </a:extLst>
+            </p:cNvPr>
+            <p:cNvSpPr/>
+            <p:nvPr/>
+          </p:nvSpPr>
+          <p:spPr>
+            <a:xfrm>
+              <a:off x="6743701" y="3400426"/>
+              <a:ext cx="1943100" cy="957262"/>
+            </a:xfrm>
+            <a:prstGeom prst="rect">
+              <a:avLst/>
+            </a:prstGeom>
+            <a:solidFill>
+              <a:srgbClr val="083B31"/>
+            </a:solidFill>
+          </p:spPr>
+          <p:style>
+            <a:lnRef idx="2">
+              <a:schemeClr val="accent1">
+                <a:shade val="50000"/>
+              </a:schemeClr>
+            </a:lnRef>
+            <a:fillRef idx="1">
+              <a:schemeClr val="accent1"/>
+            </a:fillRef>
+            <a:effectRef idx="0">
+              <a:schemeClr val="accent1"/>
+            </a:effectRef>
+            <a:fontRef idx="minor">
+              <a:schemeClr val="lt1"/>
+            </a:fontRef>
+          </p:style>
+          <p:txBody>
+            <a:bodyPr rtlCol="0" anchor="ctr"/>
+            <a:lstStyle/>
+            <a:p>
+              <a:pPr algn="ctr"/>
+              <a:r>
+                <a:rPr lang="es-MX" dirty="0"/>
+                <a:t>Image</a:t>
+              </a:r>
+            </a:p>
+            <a:p>
+              <a:pPr algn="ctr"/>
+              <a:r>
+                <a:rPr lang="es-MX" dirty="0"/>
+                <a:t>(i.e. Tensorflow)</a:t>
+              </a:r>
+            </a:p>
+          </p:txBody>
+        </p:sp>
+        <p:sp>
+          <p:nvSpPr>
+            <p:cNvPr id="8" name="Rectángulo 7">
+              <a:extLst>
+                <a:ext uri="{FF2B5EF4-FFF2-40B4-BE49-F238E27FC236}">
+                  <a16:creationId xmlns:a16="http://schemas.microsoft.com/office/drawing/2014/main" id="{8555E425-2198-0249-A71E-7EA1A4CB11E8}"/>
+                </a:ext>
+              </a:extLst>
+            </p:cNvPr>
+            <p:cNvSpPr/>
+            <p:nvPr/>
+          </p:nvSpPr>
+          <p:spPr>
+            <a:xfrm>
+              <a:off x="4186238" y="1543050"/>
+              <a:ext cx="614363" cy="1857376"/>
+            </a:xfrm>
+            <a:prstGeom prst="rect">
+              <a:avLst/>
+            </a:prstGeom>
+            <a:solidFill>
+              <a:srgbClr val="C00000"/>
+            </a:solidFill>
+          </p:spPr>
+          <p:style>
+            <a:lnRef idx="2">
+              <a:schemeClr val="accent1">
+                <a:shade val="50000"/>
+              </a:schemeClr>
+            </a:lnRef>
+            <a:fillRef idx="1">
+              <a:schemeClr val="accent1"/>
+            </a:fillRef>
+            <a:effectRef idx="0">
+              <a:schemeClr val="accent1"/>
+            </a:effectRef>
+            <a:fontRef idx="minor">
+              <a:schemeClr val="lt1"/>
+            </a:fontRef>
+          </p:style>
+          <p:txBody>
+            <a:bodyPr vert="vert270" rtlCol="0" anchor="ctr"/>
+            <a:lstStyle/>
+            <a:p>
+              <a:pPr algn="ctr"/>
+              <a:r>
+                <a:rPr lang="es-MX" dirty="0"/>
+                <a:t>Container</a:t>
+              </a:r>
+            </a:p>
+          </p:txBody>
+        </p:sp>
+        <p:sp>
+          <p:nvSpPr>
+            <p:cNvPr id="11" name="Rectángulo 10">
+              <a:extLst>
+                <a:ext uri="{FF2B5EF4-FFF2-40B4-BE49-F238E27FC236}">
+                  <a16:creationId xmlns:a16="http://schemas.microsoft.com/office/drawing/2014/main" id="{CAD736C8-326C-4E46-B98E-7B17AC52B935}"/>
+                </a:ext>
+              </a:extLst>
+            </p:cNvPr>
+            <p:cNvSpPr/>
+            <p:nvPr/>
+          </p:nvSpPr>
+          <p:spPr>
+            <a:xfrm>
+              <a:off x="3521869" y="1543050"/>
+              <a:ext cx="614363" cy="1857376"/>
+            </a:xfrm>
+            <a:prstGeom prst="rect">
+              <a:avLst/>
+            </a:prstGeom>
+            <a:solidFill>
+              <a:srgbClr val="C00000"/>
+            </a:solidFill>
+          </p:spPr>
+          <p:style>
+            <a:lnRef idx="2">
+              <a:schemeClr val="accent1">
+                <a:shade val="50000"/>
+              </a:schemeClr>
+            </a:lnRef>
+            <a:fillRef idx="1">
+              <a:schemeClr val="accent1"/>
+            </a:fillRef>
+            <a:effectRef idx="0">
+              <a:schemeClr val="accent1"/>
+            </a:effectRef>
+            <a:fontRef idx="minor">
+              <a:schemeClr val="lt1"/>
+            </a:fontRef>
+          </p:style>
+          <p:txBody>
+            <a:bodyPr vert="vert270" rtlCol="0" anchor="ctr"/>
+            <a:lstStyle/>
+            <a:p>
+              <a:pPr algn="ctr"/>
+              <a:r>
+                <a:rPr lang="es-MX" dirty="0"/>
+                <a:t>Container</a:t>
+              </a:r>
+            </a:p>
+          </p:txBody>
+        </p:sp>
+        <p:sp>
+          <p:nvSpPr>
+            <p:cNvPr id="12" name="Rectángulo 11">
+              <a:extLst>
+                <a:ext uri="{FF2B5EF4-FFF2-40B4-BE49-F238E27FC236}">
+                  <a16:creationId xmlns:a16="http://schemas.microsoft.com/office/drawing/2014/main" id="{B5D8EF99-7E4E-2146-9E94-629EDDB53B2F}"/>
+                </a:ext>
+              </a:extLst>
+            </p:cNvPr>
+            <p:cNvSpPr/>
+            <p:nvPr/>
+          </p:nvSpPr>
+          <p:spPr>
+            <a:xfrm>
+              <a:off x="2857500" y="1543050"/>
+              <a:ext cx="614363" cy="1857376"/>
+            </a:xfrm>
+            <a:prstGeom prst="rect">
+              <a:avLst/>
+            </a:prstGeom>
+            <a:solidFill>
+              <a:srgbClr val="C00000"/>
+            </a:solidFill>
+          </p:spPr>
+          <p:style>
+            <a:lnRef idx="2">
+              <a:schemeClr val="accent1">
+                <a:shade val="50000"/>
+              </a:schemeClr>
+            </a:lnRef>
+            <a:fillRef idx="1">
+              <a:schemeClr val="accent1"/>
+            </a:fillRef>
+            <a:effectRef idx="0">
+              <a:schemeClr val="accent1"/>
+            </a:effectRef>
+            <a:fontRef idx="minor">
+              <a:schemeClr val="lt1"/>
+            </a:fontRef>
+          </p:style>
+          <p:txBody>
+            <a:bodyPr vert="vert270" rtlCol="0" anchor="ctr"/>
+            <a:lstStyle/>
+            <a:p>
+              <a:pPr algn="ctr"/>
+              <a:r>
+                <a:rPr lang="es-MX" dirty="0"/>
+                <a:t>Container</a:t>
+              </a:r>
+            </a:p>
+          </p:txBody>
+        </p:sp>
+        <p:sp>
+          <p:nvSpPr>
+            <p:cNvPr id="13" name="Rectángulo 12">
+              <a:extLst>
+                <a:ext uri="{FF2B5EF4-FFF2-40B4-BE49-F238E27FC236}">
+                  <a16:creationId xmlns:a16="http://schemas.microsoft.com/office/drawing/2014/main" id="{8B22FB76-98C1-BE4A-BEA8-4F14E7D8595A}"/>
+                </a:ext>
+              </a:extLst>
+            </p:cNvPr>
+            <p:cNvSpPr/>
+            <p:nvPr/>
+          </p:nvSpPr>
+          <p:spPr>
+            <a:xfrm>
+              <a:off x="5464968" y="1543050"/>
+              <a:ext cx="614363" cy="1857376"/>
+            </a:xfrm>
+            <a:prstGeom prst="rect">
+              <a:avLst/>
+            </a:prstGeom>
+            <a:solidFill>
+              <a:srgbClr val="C00000"/>
+            </a:solidFill>
+          </p:spPr>
+          <p:style>
+            <a:lnRef idx="2">
+              <a:schemeClr val="accent1">
+                <a:shade val="50000"/>
+              </a:schemeClr>
+            </a:lnRef>
+            <a:fillRef idx="1">
+              <a:schemeClr val="accent1"/>
+            </a:fillRef>
+            <a:effectRef idx="0">
+              <a:schemeClr val="accent1"/>
+            </a:effectRef>
+            <a:fontRef idx="minor">
+              <a:schemeClr val="lt1"/>
+            </a:fontRef>
+          </p:style>
+          <p:txBody>
+            <a:bodyPr vert="vert270" rtlCol="0" anchor="ctr"/>
+            <a:lstStyle/>
+            <a:p>
+              <a:pPr algn="ctr"/>
+              <a:r>
+                <a:rPr lang="es-MX" dirty="0"/>
+                <a:t>Container</a:t>
+              </a:r>
+            </a:p>
+          </p:txBody>
+        </p:sp>
+        <p:sp>
+          <p:nvSpPr>
+            <p:cNvPr id="14" name="Rectángulo 13">
+              <a:extLst>
+                <a:ext uri="{FF2B5EF4-FFF2-40B4-BE49-F238E27FC236}">
+                  <a16:creationId xmlns:a16="http://schemas.microsoft.com/office/drawing/2014/main" id="{4B30816A-5F69-854D-9909-C2BB5FF0F13A}"/>
+                </a:ext>
+              </a:extLst>
+            </p:cNvPr>
+            <p:cNvSpPr/>
+            <p:nvPr/>
+          </p:nvSpPr>
+          <p:spPr>
+            <a:xfrm>
+              <a:off x="6943728" y="1543050"/>
+              <a:ext cx="614363" cy="1857376"/>
+            </a:xfrm>
+            <a:prstGeom prst="rect">
+              <a:avLst/>
+            </a:prstGeom>
+            <a:solidFill>
+              <a:srgbClr val="C00000"/>
+            </a:solidFill>
+          </p:spPr>
+          <p:style>
+            <a:lnRef idx="2">
+              <a:schemeClr val="accent1">
+                <a:shade val="50000"/>
+              </a:schemeClr>
+            </a:lnRef>
+            <a:fillRef idx="1">
+              <a:schemeClr val="accent1"/>
+            </a:fillRef>
+            <a:effectRef idx="0">
+              <a:schemeClr val="accent1"/>
+            </a:effectRef>
+            <a:fontRef idx="minor">
+              <a:schemeClr val="lt1"/>
+            </a:fontRef>
+          </p:style>
+          <p:txBody>
+            <a:bodyPr vert="vert270" rtlCol="0" anchor="ctr"/>
+            <a:lstStyle/>
+            <a:p>
+              <a:pPr algn="ctr"/>
+              <a:r>
+                <a:rPr lang="es-MX" dirty="0"/>
+                <a:t>Container</a:t>
+              </a:r>
+            </a:p>
+          </p:txBody>
+        </p:sp>
+        <p:sp>
+          <p:nvSpPr>
+            <p:cNvPr id="15" name="Rectángulo 14">
+              <a:extLst>
+                <a:ext uri="{FF2B5EF4-FFF2-40B4-BE49-F238E27FC236}">
+                  <a16:creationId xmlns:a16="http://schemas.microsoft.com/office/drawing/2014/main" id="{BC675D01-A9E6-3A4C-B0C9-58C6B8AA1806}"/>
+                </a:ext>
+              </a:extLst>
+            </p:cNvPr>
+            <p:cNvSpPr/>
+            <p:nvPr/>
+          </p:nvSpPr>
+          <p:spPr>
+            <a:xfrm>
+              <a:off x="7858125" y="1543050"/>
+              <a:ext cx="614363" cy="1857376"/>
+            </a:xfrm>
+            <a:prstGeom prst="rect">
+              <a:avLst/>
+            </a:prstGeom>
+            <a:solidFill>
+              <a:srgbClr val="C00000"/>
+            </a:solidFill>
+          </p:spPr>
+          <p:style>
+            <a:lnRef idx="2">
+              <a:schemeClr val="accent1">
+                <a:shade val="50000"/>
+              </a:schemeClr>
+            </a:lnRef>
+            <a:fillRef idx="1">
+              <a:schemeClr val="accent1"/>
+            </a:fillRef>
+            <a:effectRef idx="0">
+              <a:schemeClr val="accent1"/>
+            </a:effectRef>
+            <a:fontRef idx="minor">
+              <a:schemeClr val="lt1"/>
+            </a:fontRef>
+          </p:style>
+          <p:txBody>
+            <a:bodyPr vert="vert270" rtlCol="0" anchor="ctr"/>
+            <a:lstStyle/>
+            <a:p>
+              <a:pPr algn="ctr"/>
+              <a:r>
+                <a:rPr lang="es-MX" dirty="0"/>
+                <a:t>Container</a:t>
+              </a:r>
+            </a:p>
+          </p:txBody>
+        </p:sp>
+      </p:grpSp>
     </p:spTree>
     <p:extLst>
       <p:ext uri="{BB962C8B-B14F-4D97-AF65-F5344CB8AC3E}">
         <p14:creationId xmlns:p14="http://schemas.microsoft.com/office/powerpoint/2010/main" val="2487182020"/>
+      </p:ext>
+    </p:extLst>
+  </p:cSld>
+  <p:clrMapOvr>
+    <a:masterClrMapping/>
+  </p:clrMapOvr>
+</p:sld>
+</file>
+
+<file path=ppt/slides/slide5.xml><?xml version="1.0" encoding="utf-8"?>
+<p:sld xmlns:a="http://schemas.openxmlformats.org/drawingml/2006/main" xmlns:r="http://schemas.openxmlformats.org/officeDocument/2006/relationships" xmlns:p="http://schemas.openxmlformats.org/presentationml/2006/main">
+  <p:cSld>
+    <p:spTree>
+      <p:nvGrpSpPr>
+        <p:cNvPr id="1" name=""/>
+        <p:cNvGrpSpPr/>
+        <p:nvPr/>
+      </p:nvGrpSpPr>
+      <p:grpSpPr>
+        <a:xfrm>
+          <a:off x="0" y="0"/>
+          <a:ext cx="0" cy="0"/>
+          <a:chOff x="0" y="0"/>
+          <a:chExt cx="0" cy="0"/>
+        </a:xfrm>
+      </p:grpSpPr>
+      <p:grpSp>
+        <p:nvGrpSpPr>
+          <p:cNvPr id="6" name="Grupo 5">
+            <a:extLst>
+              <a:ext uri="{FF2B5EF4-FFF2-40B4-BE49-F238E27FC236}">
+                <a16:creationId xmlns:a16="http://schemas.microsoft.com/office/drawing/2014/main" id="{E79FFA83-8FE8-7A43-B8C3-2DCDD4849D4B}"/>
+              </a:ext>
+            </a:extLst>
+          </p:cNvPr>
+          <p:cNvGrpSpPr/>
+          <p:nvPr/>
+        </p:nvGrpSpPr>
+        <p:grpSpPr>
+          <a:xfrm>
+            <a:off x="622300" y="1555750"/>
+            <a:ext cx="8831269" cy="1976279"/>
+            <a:chOff x="622300" y="1555750"/>
+            <a:chExt cx="8831269" cy="1976279"/>
+          </a:xfrm>
+        </p:grpSpPr>
+        <p:pic>
+          <p:nvPicPr>
+            <p:cNvPr id="2" name="Imagen 1">
+              <a:extLst>
+                <a:ext uri="{FF2B5EF4-FFF2-40B4-BE49-F238E27FC236}">
+                  <a16:creationId xmlns:a16="http://schemas.microsoft.com/office/drawing/2014/main" id="{D60762B3-E5AB-2D4F-9326-420B49775FD0}"/>
+                </a:ext>
+              </a:extLst>
+            </p:cNvPr>
+            <p:cNvPicPr>
+              <a:picLocks noChangeAspect="1"/>
+            </p:cNvPicPr>
+            <p:nvPr/>
+          </p:nvPicPr>
+          <p:blipFill>
+            <a:blip r:embed="rId2">
+              <a:clrChange>
+                <a:clrFrom>
+                  <a:srgbClr val="FFFFFF">
+                    <a:alpha val="0"/>
+                  </a:srgbClr>
+                </a:clrFrom>
+                <a:clrTo>
+                  <a:srgbClr val="FFFFFF">
+                    <a:alpha val="0"/>
+                  </a:srgbClr>
+                </a:clrTo>
+              </a:clrChange>
+            </a:blip>
+            <a:stretch>
+              <a:fillRect/>
+            </a:stretch>
+          </p:blipFill>
+          <p:spPr>
+            <a:xfrm>
+              <a:off x="5170756" y="1555750"/>
+              <a:ext cx="2009775" cy="1976279"/>
+            </a:xfrm>
+            <a:prstGeom prst="rect">
+              <a:avLst/>
+            </a:prstGeom>
+          </p:spPr>
+        </p:pic>
+        <p:pic>
+          <p:nvPicPr>
+            <p:cNvPr id="3" name="Imagen 2">
+              <a:extLst>
+                <a:ext uri="{FF2B5EF4-FFF2-40B4-BE49-F238E27FC236}">
+                  <a16:creationId xmlns:a16="http://schemas.microsoft.com/office/drawing/2014/main" id="{8E7CC5B3-CB1D-804E-A150-1617D3052A15}"/>
+                </a:ext>
+              </a:extLst>
+            </p:cNvPr>
+            <p:cNvPicPr>
+              <a:picLocks noChangeAspect="1"/>
+            </p:cNvPicPr>
+            <p:nvPr/>
+          </p:nvPicPr>
+          <p:blipFill>
+            <a:blip r:embed="rId3">
+              <a:clrChange>
+                <a:clrFrom>
+                  <a:srgbClr val="FFFFFF">
+                    <a:alpha val="0"/>
+                  </a:srgbClr>
+                </a:clrFrom>
+                <a:clrTo>
+                  <a:srgbClr val="FFFFFF">
+                    <a:alpha val="0"/>
+                  </a:srgbClr>
+                </a:clrTo>
+              </a:clrChange>
+            </a:blip>
+            <a:stretch>
+              <a:fillRect/>
+            </a:stretch>
+          </p:blipFill>
+          <p:spPr>
+            <a:xfrm>
+              <a:off x="7443794" y="1562449"/>
+              <a:ext cx="2009775" cy="1969580"/>
+            </a:xfrm>
+            <a:prstGeom prst="rect">
+              <a:avLst/>
+            </a:prstGeom>
+          </p:spPr>
+        </p:pic>
+        <p:pic>
+          <p:nvPicPr>
+            <p:cNvPr id="4" name="Imagen 3">
+              <a:extLst>
+                <a:ext uri="{FF2B5EF4-FFF2-40B4-BE49-F238E27FC236}">
+                  <a16:creationId xmlns:a16="http://schemas.microsoft.com/office/drawing/2014/main" id="{B8001D7B-EC03-394D-8EB4-22A1F73121E0}"/>
+                </a:ext>
+              </a:extLst>
+            </p:cNvPr>
+            <p:cNvPicPr>
+              <a:picLocks noChangeAspect="1"/>
+            </p:cNvPicPr>
+            <p:nvPr/>
+          </p:nvPicPr>
+          <p:blipFill>
+            <a:blip r:embed="rId4">
+              <a:clrChange>
+                <a:clrFrom>
+                  <a:srgbClr val="FFFFFF">
+                    <a:alpha val="0"/>
+                  </a:srgbClr>
+                </a:clrFrom>
+                <a:clrTo>
+                  <a:srgbClr val="FFFFFF">
+                    <a:alpha val="0"/>
+                  </a:srgbClr>
+                </a:clrTo>
+              </a:clrChange>
+            </a:blip>
+            <a:stretch>
+              <a:fillRect/>
+            </a:stretch>
+          </p:blipFill>
+          <p:spPr>
+            <a:xfrm>
+              <a:off x="622300" y="1565357"/>
+              <a:ext cx="2363788" cy="1966672"/>
+            </a:xfrm>
+            <a:prstGeom prst="rect">
+              <a:avLst/>
+            </a:prstGeom>
+          </p:spPr>
+        </p:pic>
+        <p:pic>
+          <p:nvPicPr>
+            <p:cNvPr id="5" name="Imagen 4">
+              <a:extLst>
+                <a:ext uri="{FF2B5EF4-FFF2-40B4-BE49-F238E27FC236}">
+                  <a16:creationId xmlns:a16="http://schemas.microsoft.com/office/drawing/2014/main" id="{9EC7049A-55A1-8244-91AA-745016EDA102}"/>
+                </a:ext>
+              </a:extLst>
+            </p:cNvPr>
+            <p:cNvPicPr>
+              <a:picLocks noChangeAspect="1"/>
+            </p:cNvPicPr>
+            <p:nvPr/>
+          </p:nvPicPr>
+          <p:blipFill>
+            <a:blip r:embed="rId5">
+              <a:clrChange>
+                <a:clrFrom>
+                  <a:srgbClr val="FFFFFF">
+                    <a:alpha val="0"/>
+                  </a:srgbClr>
+                </a:clrFrom>
+                <a:clrTo>
+                  <a:srgbClr val="FFFFFF">
+                    <a:alpha val="0"/>
+                  </a:srgbClr>
+                </a:clrTo>
+              </a:clrChange>
+            </a:blip>
+            <a:stretch>
+              <a:fillRect/>
+            </a:stretch>
+          </p:blipFill>
+          <p:spPr>
+            <a:xfrm>
+              <a:off x="3249352" y="1563889"/>
+              <a:ext cx="1658140" cy="1968140"/>
+            </a:xfrm>
+            <a:prstGeom prst="rect">
+              <a:avLst/>
+            </a:prstGeom>
+          </p:spPr>
+        </p:pic>
+      </p:grpSp>
+    </p:spTree>
+    <p:extLst>
+      <p:ext uri="{BB962C8B-B14F-4D97-AF65-F5344CB8AC3E}">
+        <p14:creationId xmlns:p14="http://schemas.microsoft.com/office/powerpoint/2010/main" val="1736968443"/>
       </p:ext>
     </p:extLst>
   </p:cSld>
